--- a/docs/discussion.pptx
+++ b/docs/discussion.pptx
@@ -8,6 +8,8 @@
     <p:sldId id="256" r:id="rId2"/>
     <p:sldId id="257" r:id="rId3"/>
     <p:sldId id="258" r:id="rId4"/>
+    <p:sldId id="259" r:id="rId5"/>
+    <p:sldId id="260" r:id="rId6"/>
   </p:sldIdLst>
   <p:sldSz cx="12192000" cy="6858000"/>
   <p:notesSz cx="6858000" cy="9144000"/>
@@ -106,6 +108,11 @@
       </a:defRPr>
     </a:lvl9pPr>
   </p:defaultTextStyle>
+  <p:extLst>
+    <p:ext uri="{EFAFB233-063F-42B5-8137-9DF3F51BA10A}">
+      <p15:sldGuideLst xmlns:p15="http://schemas.microsoft.com/office/powerpoint/2012/main"/>
+    </p:ext>
+  </p:extLst>
 </p:presentation>
 </file>
 
@@ -256,7 +263,7 @@
           <a:p>
             <a:fld id="{91694B1B-A58C-8042-94E6-F0FB0C87329E}" type="datetimeFigureOut">
               <a:rPr lang="en-US" smtClean="0"/>
-              <a:t>7/27/22</a:t>
+              <a:t>8/3/22</a:t>
             </a:fld>
             <a:endParaRPr lang="en-US"/>
           </a:p>
@@ -454,7 +461,7 @@
           <a:p>
             <a:fld id="{91694B1B-A58C-8042-94E6-F0FB0C87329E}" type="datetimeFigureOut">
               <a:rPr lang="en-US" smtClean="0"/>
-              <a:t>7/27/22</a:t>
+              <a:t>8/3/22</a:t>
             </a:fld>
             <a:endParaRPr lang="en-US"/>
           </a:p>
@@ -662,7 +669,7 @@
           <a:p>
             <a:fld id="{91694B1B-A58C-8042-94E6-F0FB0C87329E}" type="datetimeFigureOut">
               <a:rPr lang="en-US" smtClean="0"/>
-              <a:t>7/27/22</a:t>
+              <a:t>8/3/22</a:t>
             </a:fld>
             <a:endParaRPr lang="en-US"/>
           </a:p>
@@ -860,7 +867,7 @@
           <a:p>
             <a:fld id="{91694B1B-A58C-8042-94E6-F0FB0C87329E}" type="datetimeFigureOut">
               <a:rPr lang="en-US" smtClean="0"/>
-              <a:t>7/27/22</a:t>
+              <a:t>8/3/22</a:t>
             </a:fld>
             <a:endParaRPr lang="en-US"/>
           </a:p>
@@ -1135,7 +1142,7 @@
           <a:p>
             <a:fld id="{91694B1B-A58C-8042-94E6-F0FB0C87329E}" type="datetimeFigureOut">
               <a:rPr lang="en-US" smtClean="0"/>
-              <a:t>7/27/22</a:t>
+              <a:t>8/3/22</a:t>
             </a:fld>
             <a:endParaRPr lang="en-US"/>
           </a:p>
@@ -1400,7 +1407,7 @@
           <a:p>
             <a:fld id="{91694B1B-A58C-8042-94E6-F0FB0C87329E}" type="datetimeFigureOut">
               <a:rPr lang="en-US" smtClean="0"/>
-              <a:t>7/27/22</a:t>
+              <a:t>8/3/22</a:t>
             </a:fld>
             <a:endParaRPr lang="en-US"/>
           </a:p>
@@ -1812,7 +1819,7 @@
           <a:p>
             <a:fld id="{91694B1B-A58C-8042-94E6-F0FB0C87329E}" type="datetimeFigureOut">
               <a:rPr lang="en-US" smtClean="0"/>
-              <a:t>7/27/22</a:t>
+              <a:t>8/3/22</a:t>
             </a:fld>
             <a:endParaRPr lang="en-US"/>
           </a:p>
@@ -1953,7 +1960,7 @@
           <a:p>
             <a:fld id="{91694B1B-A58C-8042-94E6-F0FB0C87329E}" type="datetimeFigureOut">
               <a:rPr lang="en-US" smtClean="0"/>
-              <a:t>7/27/22</a:t>
+              <a:t>8/3/22</a:t>
             </a:fld>
             <a:endParaRPr lang="en-US"/>
           </a:p>
@@ -2066,7 +2073,7 @@
           <a:p>
             <a:fld id="{91694B1B-A58C-8042-94E6-F0FB0C87329E}" type="datetimeFigureOut">
               <a:rPr lang="en-US" smtClean="0"/>
-              <a:t>7/27/22</a:t>
+              <a:t>8/3/22</a:t>
             </a:fld>
             <a:endParaRPr lang="en-US"/>
           </a:p>
@@ -2377,7 +2384,7 @@
           <a:p>
             <a:fld id="{91694B1B-A58C-8042-94E6-F0FB0C87329E}" type="datetimeFigureOut">
               <a:rPr lang="en-US" smtClean="0"/>
-              <a:t>7/27/22</a:t>
+              <a:t>8/3/22</a:t>
             </a:fld>
             <a:endParaRPr lang="en-US"/>
           </a:p>
@@ -2665,7 +2672,7 @@
           <a:p>
             <a:fld id="{91694B1B-A58C-8042-94E6-F0FB0C87329E}" type="datetimeFigureOut">
               <a:rPr lang="en-US" smtClean="0"/>
-              <a:t>7/27/22</a:t>
+              <a:t>8/3/22</a:t>
             </a:fld>
             <a:endParaRPr lang="en-US"/>
           </a:p>
@@ -2906,7 +2913,7 @@
           <a:p>
             <a:fld id="{91694B1B-A58C-8042-94E6-F0FB0C87329E}" type="datetimeFigureOut">
               <a:rPr lang="en-US" smtClean="0"/>
-              <a:t>7/27/22</a:t>
+              <a:t>8/3/22</a:t>
             </a:fld>
             <a:endParaRPr lang="en-US"/>
           </a:p>
@@ -4823,6 +4830,1174 @@
 </p:sld>
 </file>
 
+<file path=ppt/slides/slide4.xml><?xml version="1.0" encoding="utf-8"?>
+<p:sld xmlns:a="http://schemas.openxmlformats.org/drawingml/2006/main" xmlns:r="http://schemas.openxmlformats.org/officeDocument/2006/relationships" xmlns:p="http://schemas.openxmlformats.org/presentationml/2006/main">
+  <p:cSld>
+    <p:spTree>
+      <p:nvGrpSpPr>
+        <p:cNvPr id="1" name=""/>
+        <p:cNvGrpSpPr/>
+        <p:nvPr/>
+      </p:nvGrpSpPr>
+      <p:grpSpPr>
+        <a:xfrm>
+          <a:off x="0" y="0"/>
+          <a:ext cx="0" cy="0"/>
+          <a:chOff x="0" y="0"/>
+          <a:chExt cx="0" cy="0"/>
+        </a:xfrm>
+      </p:grpSpPr>
+      <p:sp>
+        <p:nvSpPr>
+          <p:cNvPr id="18" name="Rectangle 17">
+            <a:extLst>
+              <a:ext uri="{FF2B5EF4-FFF2-40B4-BE49-F238E27FC236}">
+                <a16:creationId xmlns:a16="http://schemas.microsoft.com/office/drawing/2014/main" id="{5C99129D-D8D4-FB26-61B4-500B9219CCAB}"/>
+              </a:ext>
+            </a:extLst>
+          </p:cNvPr>
+          <p:cNvSpPr/>
+          <p:nvPr/>
+        </p:nvSpPr>
+        <p:spPr>
+          <a:xfrm>
+            <a:off x="1012054" y="337351"/>
+            <a:ext cx="10342486" cy="4394447"/>
+          </a:xfrm>
+          <a:prstGeom prst="rect">
+            <a:avLst/>
+          </a:prstGeom>
+          <a:solidFill>
+            <a:schemeClr val="bg1">
+              <a:lumMod val="95000"/>
+            </a:schemeClr>
+          </a:solidFill>
+          <a:effectLst>
+            <a:outerShdw blurRad="50800" dist="38100" dir="2700000" algn="tl" rotWithShape="0">
+              <a:prstClr val="black">
+                <a:alpha val="40000"/>
+              </a:prstClr>
+            </a:outerShdw>
+          </a:effectLst>
+        </p:spPr>
+        <p:style>
+          <a:lnRef idx="2">
+            <a:schemeClr val="accent1">
+              <a:shade val="50000"/>
+            </a:schemeClr>
+          </a:lnRef>
+          <a:fillRef idx="1">
+            <a:schemeClr val="accent1"/>
+          </a:fillRef>
+          <a:effectRef idx="0">
+            <a:schemeClr val="accent1"/>
+          </a:effectRef>
+          <a:fontRef idx="minor">
+            <a:schemeClr val="lt1"/>
+          </a:fontRef>
+        </p:style>
+        <p:txBody>
+          <a:bodyPr rtlCol="0" anchor="ctr"/>
+          <a:lstStyle/>
+          <a:p>
+            <a:pPr algn="ctr"/>
+            <a:endParaRPr lang="en-US" dirty="0"/>
+          </a:p>
+        </p:txBody>
+      </p:sp>
+      <p:sp>
+        <p:nvSpPr>
+          <p:cNvPr id="4" name="Rectangle 3">
+            <a:extLst>
+              <a:ext uri="{FF2B5EF4-FFF2-40B4-BE49-F238E27FC236}">
+                <a16:creationId xmlns:a16="http://schemas.microsoft.com/office/drawing/2014/main" id="{BAB998ED-7701-278E-975E-D642A2D7AA73}"/>
+              </a:ext>
+            </a:extLst>
+          </p:cNvPr>
+          <p:cNvSpPr/>
+          <p:nvPr/>
+        </p:nvSpPr>
+        <p:spPr>
+          <a:xfrm>
+            <a:off x="1415934" y="1815429"/>
+            <a:ext cx="2212622" cy="1873956"/>
+          </a:xfrm>
+          <a:prstGeom prst="rect">
+            <a:avLst/>
+          </a:prstGeom>
+        </p:spPr>
+        <p:style>
+          <a:lnRef idx="2">
+            <a:schemeClr val="accent1">
+              <a:shade val="50000"/>
+            </a:schemeClr>
+          </a:lnRef>
+          <a:fillRef idx="1">
+            <a:schemeClr val="accent1"/>
+          </a:fillRef>
+          <a:effectRef idx="0">
+            <a:schemeClr val="accent1"/>
+          </a:effectRef>
+          <a:fontRef idx="minor">
+            <a:schemeClr val="lt1"/>
+          </a:fontRef>
+        </p:style>
+        <p:txBody>
+          <a:bodyPr rtlCol="0" anchor="ctr"/>
+          <a:lstStyle/>
+          <a:p>
+            <a:pPr algn="ctr"/>
+            <a:r>
+              <a:rPr lang="en-US" dirty="0"/>
+              <a:t>Cloud Host</a:t>
+            </a:r>
+          </a:p>
+        </p:txBody>
+      </p:sp>
+      <p:sp>
+        <p:nvSpPr>
+          <p:cNvPr id="5" name="Rectangle 4">
+            <a:extLst>
+              <a:ext uri="{FF2B5EF4-FFF2-40B4-BE49-F238E27FC236}">
+                <a16:creationId xmlns:a16="http://schemas.microsoft.com/office/drawing/2014/main" id="{C77C9673-EBFB-DD9B-3653-8EA85A08FC18}"/>
+              </a:ext>
+            </a:extLst>
+          </p:cNvPr>
+          <p:cNvSpPr/>
+          <p:nvPr/>
+        </p:nvSpPr>
+        <p:spPr>
+          <a:xfrm>
+            <a:off x="6232124" y="5344357"/>
+            <a:ext cx="1580226" cy="1089707"/>
+          </a:xfrm>
+          <a:prstGeom prst="rect">
+            <a:avLst/>
+          </a:prstGeom>
+        </p:spPr>
+        <p:style>
+          <a:lnRef idx="2">
+            <a:schemeClr val="accent1">
+              <a:shade val="50000"/>
+            </a:schemeClr>
+          </a:lnRef>
+          <a:fillRef idx="1">
+            <a:schemeClr val="accent1"/>
+          </a:fillRef>
+          <a:effectRef idx="0">
+            <a:schemeClr val="accent1"/>
+          </a:effectRef>
+          <a:fontRef idx="minor">
+            <a:schemeClr val="lt1"/>
+          </a:fontRef>
+        </p:style>
+        <p:txBody>
+          <a:bodyPr rtlCol="0" anchor="ctr"/>
+          <a:lstStyle/>
+          <a:p>
+            <a:pPr algn="ctr"/>
+            <a:r>
+              <a:rPr lang="en-US" dirty="0"/>
+              <a:t>EdgeCore</a:t>
+            </a:r>
+          </a:p>
+        </p:txBody>
+      </p:sp>
+      <p:sp>
+        <p:nvSpPr>
+          <p:cNvPr id="6" name="Rectangle 5">
+            <a:extLst>
+              <a:ext uri="{FF2B5EF4-FFF2-40B4-BE49-F238E27FC236}">
+                <a16:creationId xmlns:a16="http://schemas.microsoft.com/office/drawing/2014/main" id="{10D1DDC9-346C-330F-3CD2-BB75AE3A21A7}"/>
+              </a:ext>
+            </a:extLst>
+          </p:cNvPr>
+          <p:cNvSpPr/>
+          <p:nvPr/>
+        </p:nvSpPr>
+        <p:spPr>
+          <a:xfrm>
+            <a:off x="5286147" y="630206"/>
+            <a:ext cx="1860377" cy="1655794"/>
+          </a:xfrm>
+          <a:prstGeom prst="rect">
+            <a:avLst/>
+          </a:prstGeom>
+        </p:spPr>
+        <p:style>
+          <a:lnRef idx="2">
+            <a:schemeClr val="accent1">
+              <a:shade val="50000"/>
+            </a:schemeClr>
+          </a:lnRef>
+          <a:fillRef idx="1">
+            <a:schemeClr val="accent1"/>
+          </a:fillRef>
+          <a:effectRef idx="0">
+            <a:schemeClr val="accent1"/>
+          </a:effectRef>
+          <a:fontRef idx="minor">
+            <a:schemeClr val="lt1"/>
+          </a:fontRef>
+        </p:style>
+        <p:txBody>
+          <a:bodyPr rtlCol="0" anchor="ctr"/>
+          <a:lstStyle/>
+          <a:p>
+            <a:pPr algn="ctr"/>
+            <a:r>
+              <a:rPr lang="en-US" dirty="0"/>
+              <a:t>K8s Worker Node</a:t>
+            </a:r>
+          </a:p>
+        </p:txBody>
+      </p:sp>
+      <p:sp>
+        <p:nvSpPr>
+          <p:cNvPr id="7" name="TextBox 6">
+            <a:extLst>
+              <a:ext uri="{FF2B5EF4-FFF2-40B4-BE49-F238E27FC236}">
+                <a16:creationId xmlns:a16="http://schemas.microsoft.com/office/drawing/2014/main" id="{2A1A44B9-043F-BD0A-D9AC-B302F9119763}"/>
+              </a:ext>
+            </a:extLst>
+          </p:cNvPr>
+          <p:cNvSpPr txBox="1"/>
+          <p:nvPr/>
+        </p:nvSpPr>
+        <p:spPr>
+          <a:xfrm>
+            <a:off x="2343705" y="3689385"/>
+            <a:ext cx="511679" cy="369332"/>
+          </a:xfrm>
+          <a:prstGeom prst="rect">
+            <a:avLst/>
+          </a:prstGeom>
+          <a:noFill/>
+        </p:spPr>
+        <p:txBody>
+          <a:bodyPr wrap="none" rtlCol="0">
+            <a:spAutoFit/>
+          </a:bodyPr>
+          <a:lstStyle/>
+          <a:p>
+            <a:r>
+              <a:rPr lang="en-US" dirty="0"/>
+              <a:t>K8s</a:t>
+            </a:r>
+          </a:p>
+        </p:txBody>
+      </p:sp>
+      <p:cxnSp>
+        <p:nvCxnSpPr>
+          <p:cNvPr id="11" name="Elbow Connector 10">
+            <a:extLst>
+              <a:ext uri="{FF2B5EF4-FFF2-40B4-BE49-F238E27FC236}">
+                <a16:creationId xmlns:a16="http://schemas.microsoft.com/office/drawing/2014/main" id="{71ABFAD8-86FB-F6B9-D5CE-277CFBB48E65}"/>
+              </a:ext>
+            </a:extLst>
+          </p:cNvPr>
+          <p:cNvCxnSpPr>
+            <a:cxnSpLocks/>
+            <a:stCxn id="4" idx="3"/>
+            <a:endCxn id="6" idx="1"/>
+          </p:cNvCxnSpPr>
+          <p:nvPr/>
+        </p:nvCxnSpPr>
+        <p:spPr>
+          <a:xfrm flipV="1">
+            <a:off x="3628556" y="1458103"/>
+            <a:ext cx="1657591" cy="1294304"/>
+          </a:xfrm>
+          <a:prstGeom prst="bentConnector3">
+            <a:avLst/>
+          </a:prstGeom>
+        </p:spPr>
+        <p:style>
+          <a:lnRef idx="1">
+            <a:schemeClr val="accent1"/>
+          </a:lnRef>
+          <a:fillRef idx="0">
+            <a:schemeClr val="accent1"/>
+          </a:fillRef>
+          <a:effectRef idx="0">
+            <a:schemeClr val="accent1"/>
+          </a:effectRef>
+          <a:fontRef idx="minor">
+            <a:schemeClr val="tx1"/>
+          </a:fontRef>
+        </p:style>
+      </p:cxnSp>
+      <p:cxnSp>
+        <p:nvCxnSpPr>
+          <p:cNvPr id="12" name="Elbow Connector 11">
+            <a:extLst>
+              <a:ext uri="{FF2B5EF4-FFF2-40B4-BE49-F238E27FC236}">
+                <a16:creationId xmlns:a16="http://schemas.microsoft.com/office/drawing/2014/main" id="{E2D33740-BD4B-FD5E-2304-F2575D744073}"/>
+              </a:ext>
+            </a:extLst>
+          </p:cNvPr>
+          <p:cNvCxnSpPr>
+            <a:cxnSpLocks/>
+            <a:stCxn id="4" idx="3"/>
+            <a:endCxn id="5" idx="1"/>
+          </p:cNvCxnSpPr>
+          <p:nvPr/>
+        </p:nvCxnSpPr>
+        <p:spPr>
+          <a:xfrm>
+            <a:off x="3628556" y="2752407"/>
+            <a:ext cx="2603568" cy="3136804"/>
+          </a:xfrm>
+          <a:prstGeom prst="bentConnector3">
+            <a:avLst>
+              <a:gd name="adj1" fmla="val 16243"/>
+            </a:avLst>
+          </a:prstGeom>
+        </p:spPr>
+        <p:style>
+          <a:lnRef idx="1">
+            <a:schemeClr val="accent1"/>
+          </a:lnRef>
+          <a:fillRef idx="0">
+            <a:schemeClr val="accent1"/>
+          </a:fillRef>
+          <a:effectRef idx="0">
+            <a:schemeClr val="accent1"/>
+          </a:effectRef>
+          <a:fontRef idx="minor">
+            <a:schemeClr val="tx1"/>
+          </a:fontRef>
+        </p:style>
+      </p:cxnSp>
+      <p:sp>
+        <p:nvSpPr>
+          <p:cNvPr id="19" name="TextBox 18">
+            <a:extLst>
+              <a:ext uri="{FF2B5EF4-FFF2-40B4-BE49-F238E27FC236}">
+                <a16:creationId xmlns:a16="http://schemas.microsoft.com/office/drawing/2014/main" id="{BC20CCF1-D7A5-3318-2E20-6983AAA17239}"/>
+              </a:ext>
+            </a:extLst>
+          </p:cNvPr>
+          <p:cNvSpPr txBox="1"/>
+          <p:nvPr/>
+        </p:nvSpPr>
+        <p:spPr>
+          <a:xfrm>
+            <a:off x="1264356" y="0"/>
+            <a:ext cx="1471044" cy="369332"/>
+          </a:xfrm>
+          <a:prstGeom prst="rect">
+            <a:avLst/>
+          </a:prstGeom>
+          <a:noFill/>
+        </p:spPr>
+        <p:txBody>
+          <a:bodyPr wrap="none" rtlCol="0">
+            <a:spAutoFit/>
+          </a:bodyPr>
+          <a:lstStyle/>
+          <a:p>
+            <a:r>
+              <a:rPr lang="en-US" dirty="0"/>
+              <a:t>AWS (CLOUD)</a:t>
+            </a:r>
+          </a:p>
+        </p:txBody>
+      </p:sp>
+      <p:sp>
+        <p:nvSpPr>
+          <p:cNvPr id="20" name="TextBox 19">
+            <a:extLst>
+              <a:ext uri="{FF2B5EF4-FFF2-40B4-BE49-F238E27FC236}">
+                <a16:creationId xmlns:a16="http://schemas.microsoft.com/office/drawing/2014/main" id="{788EECFA-7531-483B-23B5-08148073884C}"/>
+              </a:ext>
+            </a:extLst>
+          </p:cNvPr>
+          <p:cNvSpPr txBox="1"/>
+          <p:nvPr/>
+        </p:nvSpPr>
+        <p:spPr>
+          <a:xfrm>
+            <a:off x="5703736" y="4950955"/>
+            <a:ext cx="2048446" cy="369332"/>
+          </a:xfrm>
+          <a:prstGeom prst="rect">
+            <a:avLst/>
+          </a:prstGeom>
+          <a:noFill/>
+        </p:spPr>
+        <p:txBody>
+          <a:bodyPr wrap="none" rtlCol="0">
+            <a:spAutoFit/>
+          </a:bodyPr>
+          <a:lstStyle/>
+          <a:p>
+            <a:r>
+              <a:rPr lang="en-US" dirty="0"/>
+              <a:t>Edge (laptop, </a:t>
+            </a:r>
+            <a:r>
+              <a:rPr lang="en-US" dirty="0" err="1"/>
+              <a:t>ras</a:t>
+            </a:r>
+            <a:r>
+              <a:rPr lang="en-US" dirty="0"/>
+              <a:t> pi)</a:t>
+            </a:r>
+          </a:p>
+        </p:txBody>
+      </p:sp>
+      <p:sp>
+        <p:nvSpPr>
+          <p:cNvPr id="21" name="Can 20">
+            <a:extLst>
+              <a:ext uri="{FF2B5EF4-FFF2-40B4-BE49-F238E27FC236}">
+                <a16:creationId xmlns:a16="http://schemas.microsoft.com/office/drawing/2014/main" id="{21CF0CDD-6167-EA4E-7D2D-44C640480FDD}"/>
+              </a:ext>
+            </a:extLst>
+          </p:cNvPr>
+          <p:cNvSpPr/>
+          <p:nvPr/>
+        </p:nvSpPr>
+        <p:spPr>
+          <a:xfrm>
+            <a:off x="7869508" y="2487048"/>
+            <a:ext cx="2133136" cy="1639562"/>
+          </a:xfrm>
+          <a:prstGeom prst="can">
+            <a:avLst/>
+          </a:prstGeom>
+          <a:solidFill>
+            <a:schemeClr val="accent4">
+              <a:lumMod val="60000"/>
+              <a:lumOff val="40000"/>
+            </a:schemeClr>
+          </a:solidFill>
+        </p:spPr>
+        <p:style>
+          <a:lnRef idx="2">
+            <a:schemeClr val="accent1">
+              <a:shade val="50000"/>
+            </a:schemeClr>
+          </a:lnRef>
+          <a:fillRef idx="1">
+            <a:schemeClr val="accent1"/>
+          </a:fillRef>
+          <a:effectRef idx="0">
+            <a:schemeClr val="accent1"/>
+          </a:effectRef>
+          <a:fontRef idx="minor">
+            <a:schemeClr val="lt1"/>
+          </a:fontRef>
+        </p:style>
+        <p:txBody>
+          <a:bodyPr rtlCol="0" anchor="ctr"/>
+          <a:lstStyle/>
+          <a:p>
+            <a:pPr algn="ctr"/>
+            <a:r>
+              <a:rPr lang="en-US" dirty="0">
+                <a:solidFill>
+                  <a:schemeClr val="tx1">
+                    <a:lumMod val="85000"/>
+                    <a:lumOff val="15000"/>
+                  </a:schemeClr>
+                </a:solidFill>
+              </a:rPr>
+              <a:t>Cloud Storage</a:t>
+            </a:r>
+          </a:p>
+          <a:p>
+            <a:pPr algn="ctr"/>
+            <a:r>
+              <a:rPr lang="en-US" dirty="0">
+                <a:solidFill>
+                  <a:schemeClr val="tx1">
+                    <a:lumMod val="85000"/>
+                    <a:lumOff val="15000"/>
+                  </a:schemeClr>
+                </a:solidFill>
+              </a:rPr>
+              <a:t>(S3)</a:t>
+            </a:r>
+          </a:p>
+        </p:txBody>
+      </p:sp>
+      <p:sp>
+        <p:nvSpPr>
+          <p:cNvPr id="3" name="Oval 2">
+            <a:extLst>
+              <a:ext uri="{FF2B5EF4-FFF2-40B4-BE49-F238E27FC236}">
+                <a16:creationId xmlns:a16="http://schemas.microsoft.com/office/drawing/2014/main" id="{4DFA679E-4FDC-8040-3BDF-7B1103F693AC}"/>
+              </a:ext>
+            </a:extLst>
+          </p:cNvPr>
+          <p:cNvSpPr/>
+          <p:nvPr/>
+        </p:nvSpPr>
+        <p:spPr>
+          <a:xfrm>
+            <a:off x="7439193" y="5606249"/>
+            <a:ext cx="914400" cy="914400"/>
+          </a:xfrm>
+          <a:prstGeom prst="ellipse">
+            <a:avLst/>
+          </a:prstGeom>
+          <a:solidFill>
+            <a:schemeClr val="accent6">
+              <a:lumMod val="75000"/>
+            </a:schemeClr>
+          </a:solidFill>
+        </p:spPr>
+        <p:style>
+          <a:lnRef idx="2">
+            <a:schemeClr val="accent1">
+              <a:shade val="50000"/>
+            </a:schemeClr>
+          </a:lnRef>
+          <a:fillRef idx="1">
+            <a:schemeClr val="accent1"/>
+          </a:fillRef>
+          <a:effectRef idx="0">
+            <a:schemeClr val="accent1"/>
+          </a:effectRef>
+          <a:fontRef idx="minor">
+            <a:schemeClr val="lt1"/>
+          </a:fontRef>
+        </p:style>
+        <p:txBody>
+          <a:bodyPr rtlCol="0" anchor="ctr"/>
+          <a:lstStyle/>
+          <a:p>
+            <a:pPr algn="ctr"/>
+            <a:endParaRPr lang="en-US" dirty="0"/>
+          </a:p>
+        </p:txBody>
+      </p:sp>
+      <p:sp>
+        <p:nvSpPr>
+          <p:cNvPr id="10" name="Oval 9">
+            <a:extLst>
+              <a:ext uri="{FF2B5EF4-FFF2-40B4-BE49-F238E27FC236}">
+                <a16:creationId xmlns:a16="http://schemas.microsoft.com/office/drawing/2014/main" id="{7F41B5C2-905F-C84B-FED9-813231672E3D}"/>
+              </a:ext>
+            </a:extLst>
+          </p:cNvPr>
+          <p:cNvSpPr/>
+          <p:nvPr/>
+        </p:nvSpPr>
+        <p:spPr>
+          <a:xfrm>
+            <a:off x="5703736" y="1700901"/>
+            <a:ext cx="1318501" cy="1294304"/>
+          </a:xfrm>
+          <a:prstGeom prst="ellipse">
+            <a:avLst/>
+          </a:prstGeom>
+          <a:solidFill>
+            <a:schemeClr val="accent6">
+              <a:lumMod val="75000"/>
+            </a:schemeClr>
+          </a:solidFill>
+        </p:spPr>
+        <p:style>
+          <a:lnRef idx="2">
+            <a:schemeClr val="accent1">
+              <a:shade val="50000"/>
+            </a:schemeClr>
+          </a:lnRef>
+          <a:fillRef idx="1">
+            <a:schemeClr val="accent1"/>
+          </a:fillRef>
+          <a:effectRef idx="0">
+            <a:schemeClr val="accent1"/>
+          </a:effectRef>
+          <a:fontRef idx="minor">
+            <a:schemeClr val="lt1"/>
+          </a:fontRef>
+        </p:style>
+        <p:txBody>
+          <a:bodyPr rtlCol="0" anchor="ctr"/>
+          <a:lstStyle/>
+          <a:p>
+            <a:pPr algn="ctr"/>
+            <a:endParaRPr lang="en-US" dirty="0"/>
+          </a:p>
+        </p:txBody>
+      </p:sp>
+      <p:cxnSp>
+        <p:nvCxnSpPr>
+          <p:cNvPr id="14" name="Straight Arrow Connector 13">
+            <a:extLst>
+              <a:ext uri="{FF2B5EF4-FFF2-40B4-BE49-F238E27FC236}">
+                <a16:creationId xmlns:a16="http://schemas.microsoft.com/office/drawing/2014/main" id="{D080B7CB-CA53-92E4-986E-B59ADEF28A8D}"/>
+              </a:ext>
+            </a:extLst>
+          </p:cNvPr>
+          <p:cNvCxnSpPr>
+            <a:cxnSpLocks/>
+            <a:stCxn id="3" idx="7"/>
+            <a:endCxn id="21" idx="3"/>
+          </p:cNvCxnSpPr>
+          <p:nvPr/>
+        </p:nvCxnSpPr>
+        <p:spPr>
+          <a:xfrm flipV="1">
+            <a:off x="8219682" y="4126610"/>
+            <a:ext cx="716394" cy="1613550"/>
+          </a:xfrm>
+          <a:prstGeom prst="straightConnector1">
+            <a:avLst/>
+          </a:prstGeom>
+          <a:ln w="15875">
+            <a:solidFill>
+              <a:srgbClr val="FF0000"/>
+            </a:solidFill>
+            <a:tailEnd type="stealth" w="lg" len="lg"/>
+          </a:ln>
+        </p:spPr>
+        <p:style>
+          <a:lnRef idx="1">
+            <a:schemeClr val="accent1"/>
+          </a:lnRef>
+          <a:fillRef idx="0">
+            <a:schemeClr val="accent1"/>
+          </a:fillRef>
+          <a:effectRef idx="0">
+            <a:schemeClr val="accent1"/>
+          </a:effectRef>
+          <a:fontRef idx="minor">
+            <a:schemeClr val="tx1"/>
+          </a:fontRef>
+        </p:style>
+      </p:cxnSp>
+      <p:sp>
+        <p:nvSpPr>
+          <p:cNvPr id="29" name="TextBox 28">
+            <a:extLst>
+              <a:ext uri="{FF2B5EF4-FFF2-40B4-BE49-F238E27FC236}">
+                <a16:creationId xmlns:a16="http://schemas.microsoft.com/office/drawing/2014/main" id="{69265EB2-21BE-408B-D6A8-5EBB896E4848}"/>
+              </a:ext>
+            </a:extLst>
+          </p:cNvPr>
+          <p:cNvSpPr txBox="1"/>
+          <p:nvPr/>
+        </p:nvSpPr>
+        <p:spPr>
+          <a:xfrm>
+            <a:off x="9525242" y="3766396"/>
+            <a:ext cx="1673535" cy="369332"/>
+          </a:xfrm>
+          <a:prstGeom prst="rect">
+            <a:avLst/>
+          </a:prstGeom>
+          <a:solidFill>
+            <a:schemeClr val="bg1">
+              <a:lumMod val="95000"/>
+            </a:schemeClr>
+          </a:solidFill>
+          <a:ln>
+            <a:solidFill>
+              <a:schemeClr val="accent1">
+                <a:shade val="50000"/>
+              </a:schemeClr>
+            </a:solidFill>
+          </a:ln>
+        </p:spPr>
+        <p:txBody>
+          <a:bodyPr wrap="none" rtlCol="0">
+            <a:spAutoFit/>
+          </a:bodyPr>
+          <a:lstStyle/>
+          <a:p>
+            <a:r>
+              <a:rPr lang="en-US" dirty="0"/>
+              <a:t>/a/b/c/file1.doc</a:t>
+            </a:r>
+          </a:p>
+        </p:txBody>
+      </p:sp>
+      <p:sp>
+        <p:nvSpPr>
+          <p:cNvPr id="33" name="TextBox 32">
+            <a:extLst>
+              <a:ext uri="{FF2B5EF4-FFF2-40B4-BE49-F238E27FC236}">
+                <a16:creationId xmlns:a16="http://schemas.microsoft.com/office/drawing/2014/main" id="{E911838C-1287-922C-59C2-C8513D875DC8}"/>
+              </a:ext>
+            </a:extLst>
+          </p:cNvPr>
+          <p:cNvSpPr txBox="1"/>
+          <p:nvPr/>
+        </p:nvSpPr>
+        <p:spPr>
+          <a:xfrm>
+            <a:off x="8376175" y="5924949"/>
+            <a:ext cx="3090974" cy="276999"/>
+          </a:xfrm>
+          <a:prstGeom prst="rect">
+            <a:avLst/>
+          </a:prstGeom>
+          <a:noFill/>
+        </p:spPr>
+        <p:txBody>
+          <a:bodyPr wrap="none" rtlCol="0">
+            <a:spAutoFit/>
+          </a:bodyPr>
+          <a:lstStyle/>
+          <a:p>
+            <a:r>
+              <a:rPr lang="en-US" sz="1200" dirty="0"/>
+              <a:t>Step 1: </a:t>
+            </a:r>
+            <a:r>
+              <a:rPr lang="en-US" sz="1200" dirty="0" err="1"/>
+              <a:t>aws</a:t>
+            </a:r>
+            <a:r>
+              <a:rPr lang="en-US" sz="1200" dirty="0"/>
+              <a:t> s3 cp file1.doc s3://a/b/c/file1.doc</a:t>
+            </a:r>
+          </a:p>
+        </p:txBody>
+      </p:sp>
+      <p:cxnSp>
+        <p:nvCxnSpPr>
+          <p:cNvPr id="38" name="Elbow Connector 37">
+            <a:extLst>
+              <a:ext uri="{FF2B5EF4-FFF2-40B4-BE49-F238E27FC236}">
+                <a16:creationId xmlns:a16="http://schemas.microsoft.com/office/drawing/2014/main" id="{1723086B-6356-5B82-2521-AB33F0933076}"/>
+              </a:ext>
+            </a:extLst>
+          </p:cNvPr>
+          <p:cNvCxnSpPr>
+            <a:cxnSpLocks/>
+            <a:stCxn id="10" idx="6"/>
+            <a:endCxn id="29" idx="0"/>
+          </p:cNvCxnSpPr>
+          <p:nvPr/>
+        </p:nvCxnSpPr>
+        <p:spPr>
+          <a:xfrm>
+            <a:off x="7022237" y="2348053"/>
+            <a:ext cx="3339773" cy="1418343"/>
+          </a:xfrm>
+          <a:prstGeom prst="bentConnector2">
+            <a:avLst/>
+          </a:prstGeom>
+          <a:ln w="15875">
+            <a:solidFill>
+              <a:srgbClr val="FF0000"/>
+            </a:solidFill>
+            <a:tailEnd type="stealth" w="lg" len="lg"/>
+          </a:ln>
+        </p:spPr>
+        <p:style>
+          <a:lnRef idx="1">
+            <a:schemeClr val="accent1"/>
+          </a:lnRef>
+          <a:fillRef idx="0">
+            <a:schemeClr val="accent1"/>
+          </a:fillRef>
+          <a:effectRef idx="0">
+            <a:schemeClr val="accent1"/>
+          </a:effectRef>
+          <a:fontRef idx="minor">
+            <a:schemeClr val="tx1"/>
+          </a:fontRef>
+        </p:style>
+      </p:cxnSp>
+      <p:sp>
+        <p:nvSpPr>
+          <p:cNvPr id="42" name="TextBox 41">
+            <a:extLst>
+              <a:ext uri="{FF2B5EF4-FFF2-40B4-BE49-F238E27FC236}">
+                <a16:creationId xmlns:a16="http://schemas.microsoft.com/office/drawing/2014/main" id="{F1B92D56-5C80-2B36-0B93-7D60D02E3756}"/>
+              </a:ext>
+            </a:extLst>
+          </p:cNvPr>
+          <p:cNvSpPr txBox="1"/>
+          <p:nvPr/>
+        </p:nvSpPr>
+        <p:spPr>
+          <a:xfrm>
+            <a:off x="7322253" y="1448737"/>
+            <a:ext cx="3090974" cy="276999"/>
+          </a:xfrm>
+          <a:prstGeom prst="rect">
+            <a:avLst/>
+          </a:prstGeom>
+          <a:noFill/>
+        </p:spPr>
+        <p:txBody>
+          <a:bodyPr wrap="none" rtlCol="0">
+            <a:spAutoFit/>
+          </a:bodyPr>
+          <a:lstStyle/>
+          <a:p>
+            <a:r>
+              <a:rPr lang="en-US" sz="1200" dirty="0"/>
+              <a:t>Step 2: </a:t>
+            </a:r>
+            <a:r>
+              <a:rPr lang="en-US" sz="1200" dirty="0" err="1"/>
+              <a:t>aws</a:t>
+            </a:r>
+            <a:r>
+              <a:rPr lang="en-US" sz="1200" dirty="0"/>
+              <a:t> s3 cp s3://a/b/c/file1.doc file1.doc</a:t>
+            </a:r>
+          </a:p>
+        </p:txBody>
+      </p:sp>
+      <p:sp>
+        <p:nvSpPr>
+          <p:cNvPr id="46" name="TextBox 45">
+            <a:extLst>
+              <a:ext uri="{FF2B5EF4-FFF2-40B4-BE49-F238E27FC236}">
+                <a16:creationId xmlns:a16="http://schemas.microsoft.com/office/drawing/2014/main" id="{84D0E680-439D-14B1-EA8F-55331B3AF480}"/>
+              </a:ext>
+            </a:extLst>
+          </p:cNvPr>
+          <p:cNvSpPr txBox="1"/>
+          <p:nvPr/>
+        </p:nvSpPr>
+        <p:spPr>
+          <a:xfrm>
+            <a:off x="5890437" y="2400766"/>
+            <a:ext cx="928459" cy="253916"/>
+          </a:xfrm>
+          <a:prstGeom prst="rect">
+            <a:avLst/>
+          </a:prstGeom>
+          <a:solidFill>
+            <a:schemeClr val="bg1">
+              <a:lumMod val="95000"/>
+            </a:schemeClr>
+          </a:solidFill>
+          <a:ln>
+            <a:solidFill>
+              <a:schemeClr val="accent1">
+                <a:shade val="50000"/>
+              </a:schemeClr>
+            </a:solidFill>
+          </a:ln>
+        </p:spPr>
+        <p:txBody>
+          <a:bodyPr wrap="none" rtlCol="0">
+            <a:spAutoFit/>
+          </a:bodyPr>
+          <a:lstStyle/>
+          <a:p>
+            <a:r>
+              <a:rPr lang="en-US" sz="1050" dirty="0"/>
+              <a:t>/</a:t>
+            </a:r>
+            <a:r>
+              <a:rPr lang="en-US" sz="1050" dirty="0" err="1"/>
+              <a:t>usr</a:t>
+            </a:r>
+            <a:r>
+              <a:rPr lang="en-US" sz="1050" dirty="0"/>
+              <a:t>/file1.doc</a:t>
+            </a:r>
+          </a:p>
+        </p:txBody>
+      </p:sp>
+    </p:spTree>
+    <p:extLst>
+      <p:ext uri="{BB962C8B-B14F-4D97-AF65-F5344CB8AC3E}">
+        <p14:creationId xmlns:p14="http://schemas.microsoft.com/office/powerpoint/2010/main" val="4180456171"/>
+      </p:ext>
+    </p:extLst>
+  </p:cSld>
+  <p:clrMapOvr>
+    <a:masterClrMapping/>
+  </p:clrMapOvr>
+</p:sld>
+</file>
+
+<file path=ppt/slides/slide5.xml><?xml version="1.0" encoding="utf-8"?>
+<p:sld xmlns:a="http://schemas.openxmlformats.org/drawingml/2006/main" xmlns:r="http://schemas.openxmlformats.org/officeDocument/2006/relationships" xmlns:p="http://schemas.openxmlformats.org/presentationml/2006/main">
+  <p:cSld>
+    <p:spTree>
+      <p:nvGrpSpPr>
+        <p:cNvPr id="1" name=""/>
+        <p:cNvGrpSpPr/>
+        <p:nvPr/>
+      </p:nvGrpSpPr>
+      <p:grpSpPr>
+        <a:xfrm>
+          <a:off x="0" y="0"/>
+          <a:ext cx="0" cy="0"/>
+          <a:chOff x="0" y="0"/>
+          <a:chExt cx="0" cy="0"/>
+        </a:xfrm>
+      </p:grpSpPr>
+      <p:sp>
+        <p:nvSpPr>
+          <p:cNvPr id="3" name="Content Placeholder 2">
+            <a:extLst>
+              <a:ext uri="{FF2B5EF4-FFF2-40B4-BE49-F238E27FC236}">
+                <a16:creationId xmlns:a16="http://schemas.microsoft.com/office/drawing/2014/main" id="{3BAA04A4-C41F-E2C6-7C86-B094EAD79FF9}"/>
+              </a:ext>
+            </a:extLst>
+          </p:cNvPr>
+          <p:cNvSpPr>
+            <a:spLocks noGrp="1"/>
+          </p:cNvSpPr>
+          <p:nvPr>
+            <p:ph idx="1"/>
+          </p:nvPr>
+        </p:nvSpPr>
+        <p:spPr>
+          <a:xfrm>
+            <a:off x="525966" y="1253331"/>
+            <a:ext cx="10515600" cy="4351338"/>
+          </a:xfrm>
+        </p:spPr>
+        <p:txBody>
+          <a:bodyPr>
+            <a:normAutofit fontScale="92500" lnSpcReduction="20000"/>
+          </a:bodyPr>
+          <a:lstStyle/>
+          <a:p>
+            <a:endParaRPr lang="en-US" dirty="0"/>
+          </a:p>
+          <a:p>
+            <a:r>
+              <a:rPr lang="en-US" dirty="0"/>
+              <a:t>Any EC2 VM (Ubuntu): </a:t>
+            </a:r>
+          </a:p>
+          <a:p>
+            <a:endParaRPr lang="en-US" dirty="0"/>
+          </a:p>
+          <a:p>
+            <a:pPr lvl="1"/>
+            <a:r>
+              <a:rPr lang="en-US" dirty="0">
+                <a:hlinkClick r:id="rId2"/>
+              </a:rPr>
+              <a:t>Install aws cli</a:t>
+            </a:r>
+            <a:r>
+              <a:rPr lang="en-US" dirty="0"/>
+              <a:t> with -y</a:t>
+            </a:r>
+          </a:p>
+          <a:p>
+            <a:pPr lvl="1"/>
+            <a:endParaRPr lang="en-US" dirty="0"/>
+          </a:p>
+          <a:p>
+            <a:pPr lvl="1"/>
+            <a:r>
+              <a:rPr lang="en-US" dirty="0"/>
+              <a:t>Create access key on Aws console </a:t>
+            </a:r>
+          </a:p>
+          <a:p>
+            <a:pPr lvl="1"/>
+            <a:endParaRPr lang="en-US" dirty="0"/>
+          </a:p>
+          <a:p>
+            <a:pPr lvl="1"/>
+            <a:r>
+              <a:rPr lang="en-US" dirty="0"/>
+              <a:t>On EC2 VM, </a:t>
+            </a:r>
+            <a:r>
+              <a:rPr lang="en-US" dirty="0">
+                <a:hlinkClick r:id="rId3"/>
+              </a:rPr>
+              <a:t>configure security credentials </a:t>
+            </a:r>
+            <a:r>
+              <a:rPr lang="en-US" dirty="0">
+                <a:sym typeface="Wingdings" pitchFamily="2" charset="2"/>
+              </a:rPr>
+              <a:t></a:t>
+            </a:r>
+          </a:p>
+          <a:p>
+            <a:pPr lvl="1"/>
+            <a:endParaRPr lang="en-US" dirty="0">
+              <a:sym typeface="Wingdings" pitchFamily="2" charset="2"/>
+            </a:endParaRPr>
+          </a:p>
+          <a:p>
+            <a:pPr lvl="1"/>
+            <a:r>
+              <a:rPr lang="en-US" dirty="0">
+                <a:sym typeface="Wingdings" pitchFamily="2" charset="2"/>
+              </a:rPr>
+              <a:t> On EC2 VM, s3 copy (to and from bucket, e.g., </a:t>
+            </a:r>
+            <a:r>
+              <a:rPr lang="en-US" dirty="0" err="1">
+                <a:sym typeface="Wingdings" pitchFamily="2" charset="2"/>
+              </a:rPr>
+              <a:t>fw</a:t>
+            </a:r>
+            <a:r>
+              <a:rPr lang="en-US" dirty="0">
+                <a:sym typeface="Wingdings" pitchFamily="2" charset="2"/>
+              </a:rPr>
+              <a:t>-</a:t>
+            </a:r>
+            <a:r>
+              <a:rPr lang="en-US" dirty="0" err="1">
+                <a:sym typeface="Wingdings" pitchFamily="2" charset="2"/>
+              </a:rPr>
+              <a:t>yuanjun</a:t>
+            </a:r>
+            <a:r>
+              <a:rPr lang="en-US" dirty="0">
+                <a:sym typeface="Wingdings" pitchFamily="2" charset="2"/>
+              </a:rPr>
+              <a:t>-test)</a:t>
+            </a:r>
+          </a:p>
+          <a:p>
+            <a:pPr lvl="1"/>
+            <a:endParaRPr lang="en-US" dirty="0"/>
+          </a:p>
+          <a:p>
+            <a:r>
+              <a:rPr lang="en-US" dirty="0"/>
+              <a:t>Do all the above in a docker image</a:t>
+            </a:r>
+          </a:p>
+          <a:p>
+            <a:pPr lvl="1"/>
+            <a:endParaRPr lang="en-US" dirty="0"/>
+          </a:p>
+        </p:txBody>
+      </p:sp>
+      <p:pic>
+        <p:nvPicPr>
+          <p:cNvPr id="5" name="Picture 4">
+            <a:extLst>
+              <a:ext uri="{FF2B5EF4-FFF2-40B4-BE49-F238E27FC236}">
+                <a16:creationId xmlns:a16="http://schemas.microsoft.com/office/drawing/2014/main" id="{E2D44C25-BD7A-2847-001C-5085B1A42E67}"/>
+              </a:ext>
+            </a:extLst>
+          </p:cNvPr>
+          <p:cNvPicPr>
+            <a:picLocks noChangeAspect="1"/>
+          </p:cNvPicPr>
+          <p:nvPr/>
+        </p:nvPicPr>
+        <p:blipFill>
+          <a:blip r:embed="rId4"/>
+          <a:stretch>
+            <a:fillRect/>
+          </a:stretch>
+        </p:blipFill>
+        <p:spPr>
+          <a:xfrm>
+            <a:off x="5590788" y="1638030"/>
+            <a:ext cx="1594160" cy="1790970"/>
+          </a:xfrm>
+          <a:prstGeom prst="rect">
+            <a:avLst/>
+          </a:prstGeom>
+          <a:effectLst>
+            <a:outerShdw blurRad="50800" dist="38100" dir="2700000" algn="tl" rotWithShape="0">
+              <a:prstClr val="black">
+                <a:alpha val="40000"/>
+              </a:prstClr>
+            </a:outerShdw>
+          </a:effectLst>
+        </p:spPr>
+      </p:pic>
+      <p:pic>
+        <p:nvPicPr>
+          <p:cNvPr id="6" name="Picture 5">
+            <a:extLst>
+              <a:ext uri="{FF2B5EF4-FFF2-40B4-BE49-F238E27FC236}">
+                <a16:creationId xmlns:a16="http://schemas.microsoft.com/office/drawing/2014/main" id="{A38C2C37-C408-15E9-4888-9FA6ABEE0ECE}"/>
+              </a:ext>
+            </a:extLst>
+          </p:cNvPr>
+          <p:cNvPicPr>
+            <a:picLocks noChangeAspect="1"/>
+          </p:cNvPicPr>
+          <p:nvPr/>
+        </p:nvPicPr>
+        <p:blipFill>
+          <a:blip r:embed="rId5"/>
+          <a:stretch>
+            <a:fillRect/>
+          </a:stretch>
+        </p:blipFill>
+        <p:spPr>
+          <a:xfrm>
+            <a:off x="8295733" y="3198280"/>
+            <a:ext cx="3831218" cy="846216"/>
+          </a:xfrm>
+          <a:prstGeom prst="rect">
+            <a:avLst/>
+          </a:prstGeom>
+          <a:effectLst>
+            <a:outerShdw blurRad="50800" dist="38100" dir="2700000" algn="tl" rotWithShape="0">
+              <a:prstClr val="black">
+                <a:alpha val="40000"/>
+              </a:prstClr>
+            </a:outerShdw>
+          </a:effectLst>
+        </p:spPr>
+      </p:pic>
+      <p:pic>
+        <p:nvPicPr>
+          <p:cNvPr id="4" name="Picture 3">
+            <a:extLst>
+              <a:ext uri="{FF2B5EF4-FFF2-40B4-BE49-F238E27FC236}">
+                <a16:creationId xmlns:a16="http://schemas.microsoft.com/office/drawing/2014/main" id="{768C9C19-9F5D-8206-3A45-612C658BBB92}"/>
+              </a:ext>
+            </a:extLst>
+          </p:cNvPr>
+          <p:cNvPicPr>
+            <a:picLocks noChangeAspect="1"/>
+          </p:cNvPicPr>
+          <p:nvPr/>
+        </p:nvPicPr>
+        <p:blipFill>
+          <a:blip r:embed="rId6"/>
+          <a:stretch>
+            <a:fillRect/>
+          </a:stretch>
+        </p:blipFill>
+        <p:spPr>
+          <a:xfrm>
+            <a:off x="9569605" y="4030087"/>
+            <a:ext cx="2466278" cy="345279"/>
+          </a:xfrm>
+          <a:prstGeom prst="rect">
+            <a:avLst/>
+          </a:prstGeom>
+          <a:effectLst>
+            <a:outerShdw blurRad="50800" dist="38100" dir="2700000" algn="tl" rotWithShape="0">
+              <a:prstClr val="black">
+                <a:alpha val="40000"/>
+              </a:prstClr>
+            </a:outerShdw>
+          </a:effectLst>
+        </p:spPr>
+      </p:pic>
+    </p:spTree>
+    <p:extLst>
+      <p:ext uri="{BB962C8B-B14F-4D97-AF65-F5344CB8AC3E}">
+        <p14:creationId xmlns:p14="http://schemas.microsoft.com/office/powerpoint/2010/main" val="2348574820"/>
+      </p:ext>
+    </p:extLst>
+  </p:cSld>
+  <p:clrMapOvr>
+    <a:masterClrMapping/>
+  </p:clrMapOvr>
+</p:sld>
+</file>
+
 <file path=ppt/theme/theme1.xml><?xml version="1.0" encoding="utf-8"?>
 <a:theme xmlns:a="http://schemas.openxmlformats.org/drawingml/2006/main" name="Office Theme">
   <a:themeElements>
